--- a/Spring Cloud Config.pptx
+++ b/Spring Cloud Config.pptx
@@ -15,6 +15,9 @@
     <p:sldId id="263" r:id="rId9"/>
     <p:sldId id="264" r:id="rId10"/>
     <p:sldId id="265" r:id="rId11"/>
+    <p:sldId id="266" r:id="rId12"/>
+    <p:sldId id="267" r:id="rId13"/>
+    <p:sldId id="268" r:id="rId14"/>
   </p:sldIdLst>
   <p:sldSz cx="12192000" cy="6858000"/>
   <p:notesSz cx="6858000" cy="9144000"/>
@@ -113,6 +116,11 @@
       </a:defRPr>
     </a:lvl9pPr>
   </p:defaultTextStyle>
+  <p:extLst>
+    <p:ext uri="{EFAFB233-063F-42B5-8137-9DF3F51BA10A}">
+      <p15:sldGuideLst xmlns:p15="http://schemas.microsoft.com/office/powerpoint/2012/main"/>
+    </p:ext>
+  </p:extLst>
 </p:presentation>
 </file>
 
@@ -263,7 +271,7 @@
           <a:p>
             <a:fld id="{246D75D8-7561-483D-A2AD-117740B240A2}" type="datetimeFigureOut">
               <a:rPr lang="en-US" smtClean="0"/>
-              <a:t>10/22/2021</a:t>
+              <a:t>10/25/2021</a:t>
             </a:fld>
             <a:endParaRPr lang="en-US"/>
           </a:p>
@@ -461,7 +469,7 @@
           <a:p>
             <a:fld id="{246D75D8-7561-483D-A2AD-117740B240A2}" type="datetimeFigureOut">
               <a:rPr lang="en-US" smtClean="0"/>
-              <a:t>10/22/2021</a:t>
+              <a:t>10/25/2021</a:t>
             </a:fld>
             <a:endParaRPr lang="en-US"/>
           </a:p>
@@ -669,7 +677,7 @@
           <a:p>
             <a:fld id="{246D75D8-7561-483D-A2AD-117740B240A2}" type="datetimeFigureOut">
               <a:rPr lang="en-US" smtClean="0"/>
-              <a:t>10/22/2021</a:t>
+              <a:t>10/25/2021</a:t>
             </a:fld>
             <a:endParaRPr lang="en-US"/>
           </a:p>
@@ -867,7 +875,7 @@
           <a:p>
             <a:fld id="{246D75D8-7561-483D-A2AD-117740B240A2}" type="datetimeFigureOut">
               <a:rPr lang="en-US" smtClean="0"/>
-              <a:t>10/22/2021</a:t>
+              <a:t>10/25/2021</a:t>
             </a:fld>
             <a:endParaRPr lang="en-US"/>
           </a:p>
@@ -1142,7 +1150,7 @@
           <a:p>
             <a:fld id="{246D75D8-7561-483D-A2AD-117740B240A2}" type="datetimeFigureOut">
               <a:rPr lang="en-US" smtClean="0"/>
-              <a:t>10/22/2021</a:t>
+              <a:t>10/25/2021</a:t>
             </a:fld>
             <a:endParaRPr lang="en-US"/>
           </a:p>
@@ -1407,7 +1415,7 @@
           <a:p>
             <a:fld id="{246D75D8-7561-483D-A2AD-117740B240A2}" type="datetimeFigureOut">
               <a:rPr lang="en-US" smtClean="0"/>
-              <a:t>10/22/2021</a:t>
+              <a:t>10/25/2021</a:t>
             </a:fld>
             <a:endParaRPr lang="en-US"/>
           </a:p>
@@ -1819,7 +1827,7 @@
           <a:p>
             <a:fld id="{246D75D8-7561-483D-A2AD-117740B240A2}" type="datetimeFigureOut">
               <a:rPr lang="en-US" smtClean="0"/>
-              <a:t>10/22/2021</a:t>
+              <a:t>10/25/2021</a:t>
             </a:fld>
             <a:endParaRPr lang="en-US"/>
           </a:p>
@@ -1960,7 +1968,7 @@
           <a:p>
             <a:fld id="{246D75D8-7561-483D-A2AD-117740B240A2}" type="datetimeFigureOut">
               <a:rPr lang="en-US" smtClean="0"/>
-              <a:t>10/22/2021</a:t>
+              <a:t>10/25/2021</a:t>
             </a:fld>
             <a:endParaRPr lang="en-US"/>
           </a:p>
@@ -2073,7 +2081,7 @@
           <a:p>
             <a:fld id="{246D75D8-7561-483D-A2AD-117740B240A2}" type="datetimeFigureOut">
               <a:rPr lang="en-US" smtClean="0"/>
-              <a:t>10/22/2021</a:t>
+              <a:t>10/25/2021</a:t>
             </a:fld>
             <a:endParaRPr lang="en-US"/>
           </a:p>
@@ -2384,7 +2392,7 @@
           <a:p>
             <a:fld id="{246D75D8-7561-483D-A2AD-117740B240A2}" type="datetimeFigureOut">
               <a:rPr lang="en-US" smtClean="0"/>
-              <a:t>10/22/2021</a:t>
+              <a:t>10/25/2021</a:t>
             </a:fld>
             <a:endParaRPr lang="en-US"/>
           </a:p>
@@ -2672,7 +2680,7 @@
           <a:p>
             <a:fld id="{246D75D8-7561-483D-A2AD-117740B240A2}" type="datetimeFigureOut">
               <a:rPr lang="en-US" smtClean="0"/>
-              <a:t>10/22/2021</a:t>
+              <a:t>10/25/2021</a:t>
             </a:fld>
             <a:endParaRPr lang="en-US"/>
           </a:p>
@@ -2913,7 +2921,7 @@
           <a:p>
             <a:fld id="{246D75D8-7561-483D-A2AD-117740B240A2}" type="datetimeFigureOut">
               <a:rPr lang="en-US" smtClean="0"/>
-              <a:t>10/22/2021</a:t>
+              <a:t>10/25/2021</a:t>
             </a:fld>
             <a:endParaRPr lang="en-US"/>
           </a:p>
@@ -3443,14 +3451,6 @@
           </a:bodyPr>
           <a:lstStyle/>
           <a:p>
-            <a:r>
-              <a:rPr lang="en-US" dirty="0">
-                <a:solidFill>
-                  <a:srgbClr val="C00000"/>
-                </a:solidFill>
-              </a:rPr>
-              <a:t>Understanding the URL: </a:t>
-            </a:r>
             <a:br>
               <a:rPr lang="en-US" dirty="0">
                 <a:solidFill>
@@ -3471,7 +3471,29 @@
                   <a:srgbClr val="C00000"/>
                 </a:solidFill>
               </a:rPr>
-              <a:t>	Environment Repository</a:t>
+              <a:t>Understanding the URL: Environment Repository</a:t>
+            </a:r>
+            <a:br>
+              <a:rPr lang="en-US" dirty="0">
+                <a:solidFill>
+                  <a:srgbClr val="C00000"/>
+                </a:solidFill>
+              </a:rPr>
+            </a:br>
+            <a:br>
+              <a:rPr lang="en-US" dirty="0">
+                <a:solidFill>
+                  <a:srgbClr val="C00000"/>
+                </a:solidFill>
+              </a:rPr>
+            </a:br>
+            <a:r>
+              <a:rPr lang="en-US" dirty="0">
+                <a:solidFill>
+                  <a:srgbClr val="C00000"/>
+                </a:solidFill>
+              </a:rPr>
+              <a:t>	</a:t>
             </a:r>
           </a:p>
         </p:txBody>
@@ -3492,15 +3514,182 @@
             <p:ph idx="1"/>
           </p:nvPr>
         </p:nvSpPr>
-        <p:spPr/>
+        <p:spPr>
+          <a:xfrm>
+            <a:off x="838200" y="1839479"/>
+            <a:ext cx="10515600" cy="4351338"/>
+          </a:xfrm>
+        </p:spPr>
         <p:txBody>
           <a:bodyPr/>
           <a:lstStyle/>
           <a:p>
             <a:r>
-              <a:rPr lang="en-US" dirty="0"/>
-              <a:t>http://</a:t>
-            </a:r>
+              <a:rPr lang="en-US" dirty="0">
+                <a:solidFill>
+                  <a:srgbClr val="0070C0"/>
+                </a:solidFill>
+                <a:hlinkClick r:id="rId2"/>
+              </a:rPr>
+              <a:t>https://localhost:8888/application/default/master</a:t>
+            </a:r>
+            <a:endParaRPr lang="en-US" dirty="0">
+              <a:solidFill>
+                <a:srgbClr val="0070C0"/>
+              </a:solidFill>
+            </a:endParaRPr>
+          </a:p>
+          <a:p>
+            <a:endParaRPr lang="en-US" dirty="0">
+              <a:solidFill>
+                <a:srgbClr val="0070C0"/>
+              </a:solidFill>
+            </a:endParaRPr>
+          </a:p>
+          <a:p>
+            <a:pPr marL="0" indent="0">
+              <a:buNone/>
+            </a:pPr>
+            <a:r>
+              <a:rPr lang="en-US" sz="2400" b="0" i="0" dirty="0">
+                <a:solidFill>
+                  <a:srgbClr val="000000"/>
+                </a:solidFill>
+                <a:effectLst/>
+                <a:latin typeface="open sans" panose="020B0606030504020204" pitchFamily="34" charset="0"/>
+              </a:rPr>
+              <a:t>The HTTP service has resources in the following form:</a:t>
+            </a:r>
+          </a:p>
+          <a:p>
+            <a:pPr marL="0" indent="0">
+              <a:buNone/>
+            </a:pPr>
+            <a:r>
+              <a:rPr lang="en-US" sz="2400" dirty="0">
+                <a:solidFill>
+                  <a:srgbClr val="000000"/>
+                </a:solidFill>
+                <a:latin typeface="open sans" panose="020B0606030504020204" pitchFamily="34" charset="0"/>
+              </a:rPr>
+              <a:t>                   /{application}/{profile}/{label}</a:t>
+            </a:r>
+          </a:p>
+          <a:p>
+            <a:pPr marL="0" indent="0">
+              <a:buNone/>
+            </a:pPr>
+            <a:endParaRPr lang="en-US" sz="2400" b="0" i="0" dirty="0">
+              <a:solidFill>
+                <a:srgbClr val="000000"/>
+              </a:solidFill>
+              <a:effectLst/>
+              <a:latin typeface="open sans" panose="020B0606030504020204" pitchFamily="34" charset="0"/>
+            </a:endParaRPr>
+          </a:p>
+          <a:p>
+            <a:pPr marL="0" indent="0">
+              <a:buNone/>
+            </a:pPr>
+            <a:r>
+              <a:rPr lang="en-US" sz="2400" dirty="0">
+                <a:solidFill>
+                  <a:srgbClr val="000000"/>
+                </a:solidFill>
+                <a:latin typeface="open sans" panose="020B0606030504020204" pitchFamily="34" charset="0"/>
+              </a:rPr>
+              <a:t>{application} – injected as </a:t>
+            </a:r>
+            <a:r>
+              <a:rPr lang="en-US" sz="2400" dirty="0">
+                <a:solidFill>
+                  <a:srgbClr val="FF0000"/>
+                </a:solidFill>
+                <a:latin typeface="open sans" panose="020B0606030504020204" pitchFamily="34" charset="0"/>
+              </a:rPr>
+              <a:t>spring.config.name </a:t>
+            </a:r>
+            <a:r>
+              <a:rPr lang="en-US" sz="2400" dirty="0">
+                <a:latin typeface="open sans" panose="020B0606030504020204" pitchFamily="34" charset="0"/>
+              </a:rPr>
+              <a:t>in the spring application.</a:t>
+            </a:r>
+          </a:p>
+          <a:p>
+            <a:pPr marL="0" indent="0">
+              <a:buNone/>
+            </a:pPr>
+            <a:r>
+              <a:rPr lang="en-US" sz="2400" b="0" i="0" dirty="0">
+                <a:effectLst/>
+                <a:latin typeface="open sans" panose="020B0606030504020204" pitchFamily="34" charset="0"/>
+              </a:rPr>
+              <a:t>{profile} – active profile (</a:t>
+            </a:r>
+            <a:r>
+              <a:rPr lang="en-US" sz="2400" b="0" i="0" dirty="0" err="1">
+                <a:effectLst/>
+                <a:latin typeface="open sans" panose="020B0606030504020204" pitchFamily="34" charset="0"/>
+              </a:rPr>
+              <a:t>eg</a:t>
+            </a:r>
+            <a:r>
+              <a:rPr lang="en-US" sz="2400" b="0" i="0" dirty="0">
+                <a:effectLst/>
+                <a:latin typeface="open sans" panose="020B0606030504020204" pitchFamily="34" charset="0"/>
+              </a:rPr>
+              <a:t>: </a:t>
+            </a:r>
+            <a:r>
+              <a:rPr lang="en-US" sz="2400" b="0" i="0" dirty="0" err="1">
+                <a:effectLst/>
+                <a:latin typeface="open sans" panose="020B0606030504020204" pitchFamily="34" charset="0"/>
+              </a:rPr>
+              <a:t>dev,prod</a:t>
+            </a:r>
+            <a:r>
+              <a:rPr lang="en-US" sz="2400" b="0" i="0" dirty="0">
+                <a:effectLst/>
+                <a:latin typeface="open sans" panose="020B0606030504020204" pitchFamily="34" charset="0"/>
+              </a:rPr>
+              <a:t>)</a:t>
+            </a:r>
+          </a:p>
+          <a:p>
+            <a:pPr marL="0" indent="0">
+              <a:buNone/>
+            </a:pPr>
+            <a:r>
+              <a:rPr lang="en-US" sz="2400" dirty="0">
+                <a:latin typeface="open sans" panose="020B0606030504020204" pitchFamily="34" charset="0"/>
+              </a:rPr>
+              <a:t>{label} – optional git label (default is master)</a:t>
+            </a:r>
+          </a:p>
+          <a:p>
+            <a:pPr marL="0" indent="0">
+              <a:buNone/>
+            </a:pPr>
+            <a:endParaRPr lang="en-US" sz="2400" b="0" i="0" dirty="0">
+              <a:effectLst/>
+              <a:latin typeface="open sans" panose="020B0606030504020204" pitchFamily="34" charset="0"/>
+            </a:endParaRPr>
+          </a:p>
+          <a:p>
+            <a:pPr marL="0" indent="0">
+              <a:buNone/>
+            </a:pPr>
+            <a:endParaRPr lang="en-US" sz="2400" b="0" i="0" dirty="0">
+              <a:effectLst/>
+              <a:latin typeface="open sans" panose="020B0606030504020204" pitchFamily="34" charset="0"/>
+            </a:endParaRPr>
+          </a:p>
+          <a:p>
+            <a:pPr marL="0" indent="0">
+              <a:buNone/>
+            </a:pPr>
+            <a:endParaRPr lang="en-US" sz="2400" dirty="0"/>
           </a:p>
         </p:txBody>
       </p:sp>
@@ -3508,6 +3697,927 @@
     <p:extLst>
       <p:ext uri="{BB962C8B-B14F-4D97-AF65-F5344CB8AC3E}">
         <p14:creationId xmlns:p14="http://schemas.microsoft.com/office/powerpoint/2010/main" val="1610991730"/>
+      </p:ext>
+    </p:extLst>
+  </p:cSld>
+  <p:clrMapOvr>
+    <a:masterClrMapping/>
+  </p:clrMapOvr>
+</p:sld>
+</file>
+
+<file path=ppt/slides/slide11.xml><?xml version="1.0" encoding="utf-8"?>
+<p:sld xmlns:a="http://schemas.openxmlformats.org/drawingml/2006/main" xmlns:r="http://schemas.openxmlformats.org/officeDocument/2006/relationships" xmlns:p="http://schemas.openxmlformats.org/presentationml/2006/main">
+  <p:cSld>
+    <p:spTree>
+      <p:nvGrpSpPr>
+        <p:cNvPr id="1" name=""/>
+        <p:cNvGrpSpPr/>
+        <p:nvPr/>
+      </p:nvGrpSpPr>
+      <p:grpSpPr>
+        <a:xfrm>
+          <a:off x="0" y="0"/>
+          <a:ext cx="0" cy="0"/>
+          <a:chOff x="0" y="0"/>
+          <a:chExt cx="0" cy="0"/>
+        </a:xfrm>
+      </p:grpSpPr>
+      <p:sp>
+        <p:nvSpPr>
+          <p:cNvPr id="2" name="Title 1">
+            <a:extLst>
+              <a:ext uri="{FF2B5EF4-FFF2-40B4-BE49-F238E27FC236}">
+                <a16:creationId xmlns:a16="http://schemas.microsoft.com/office/drawing/2014/main" id="{11895A51-FB1F-4B75-807B-B3D70D551D28}"/>
+              </a:ext>
+            </a:extLst>
+          </p:cNvPr>
+          <p:cNvSpPr>
+            <a:spLocks noGrp="1"/>
+          </p:cNvSpPr>
+          <p:nvPr>
+            <p:ph type="title"/>
+          </p:nvPr>
+        </p:nvSpPr>
+        <p:spPr/>
+        <p:txBody>
+          <a:bodyPr/>
+          <a:lstStyle/>
+          <a:p>
+            <a:r>
+              <a:rPr lang="en-US" dirty="0">
+                <a:solidFill>
+                  <a:srgbClr val="C00000"/>
+                </a:solidFill>
+              </a:rPr>
+              <a:t>Config Client</a:t>
+            </a:r>
+          </a:p>
+        </p:txBody>
+      </p:sp>
+      <p:sp>
+        <p:nvSpPr>
+          <p:cNvPr id="3" name="Content Placeholder 2">
+            <a:extLst>
+              <a:ext uri="{FF2B5EF4-FFF2-40B4-BE49-F238E27FC236}">
+                <a16:creationId xmlns:a16="http://schemas.microsoft.com/office/drawing/2014/main" id="{263295DB-1B77-432F-82CD-415B99E10702}"/>
+              </a:ext>
+            </a:extLst>
+          </p:cNvPr>
+          <p:cNvSpPr>
+            <a:spLocks noGrp="1"/>
+          </p:cNvSpPr>
+          <p:nvPr>
+            <p:ph idx="1"/>
+          </p:nvPr>
+        </p:nvSpPr>
+        <p:spPr/>
+        <p:txBody>
+          <a:bodyPr/>
+          <a:lstStyle/>
+          <a:p>
+            <a:r>
+              <a:rPr lang="en-US" dirty="0"/>
+              <a:t>A Microservice (SB Application) can act as config client to use the features of Config Server.</a:t>
+            </a:r>
+          </a:p>
+          <a:p>
+            <a:pPr marL="0" indent="0">
+              <a:buNone/>
+            </a:pPr>
+            <a:r>
+              <a:rPr lang="en-US" dirty="0">
+                <a:solidFill>
+                  <a:schemeClr val="accent2">
+                    <a:lumMod val="50000"/>
+                  </a:schemeClr>
+                </a:solidFill>
+              </a:rPr>
+              <a:t>Step 1</a:t>
+            </a:r>
+            <a:r>
+              <a:rPr lang="en-US" dirty="0"/>
+              <a:t> - Dependencies to be added in pom.xml –</a:t>
+            </a:r>
+          </a:p>
+          <a:p>
+            <a:pPr marL="457200" lvl="1" indent="0">
+              <a:buNone/>
+            </a:pPr>
+            <a:r>
+              <a:rPr lang="en-US" dirty="0">
+                <a:solidFill>
+                  <a:srgbClr val="00B050"/>
+                </a:solidFill>
+              </a:rPr>
+              <a:t>1. Spring cloud config starter</a:t>
+            </a:r>
+          </a:p>
+          <a:p>
+            <a:pPr marL="457200" lvl="1" indent="0">
+              <a:buNone/>
+            </a:pPr>
+            <a:r>
+              <a:rPr lang="en-US" sz="1800" b="0" i="0" dirty="0">
+                <a:solidFill>
+                  <a:srgbClr val="000080"/>
+                </a:solidFill>
+                <a:effectLst/>
+                <a:latin typeface="Monaco"/>
+              </a:rPr>
+              <a:t>&lt;dependency&gt;</a:t>
+            </a:r>
+            <a:r>
+              <a:rPr lang="en-US" sz="1800" b="0" i="0" dirty="0">
+                <a:solidFill>
+                  <a:srgbClr val="222222"/>
+                </a:solidFill>
+                <a:effectLst/>
+                <a:latin typeface="Monaco"/>
+              </a:rPr>
+              <a:t> </a:t>
+            </a:r>
+          </a:p>
+          <a:p>
+            <a:pPr marL="457200" lvl="1" indent="0">
+              <a:buNone/>
+            </a:pPr>
+            <a:r>
+              <a:rPr lang="en-US" sz="1800" dirty="0">
+                <a:solidFill>
+                  <a:srgbClr val="222222"/>
+                </a:solidFill>
+                <a:latin typeface="Monaco"/>
+              </a:rPr>
+              <a:t>	</a:t>
+            </a:r>
+            <a:r>
+              <a:rPr lang="en-US" sz="1800" b="0" i="0" dirty="0">
+                <a:solidFill>
+                  <a:srgbClr val="000080"/>
+                </a:solidFill>
+                <a:effectLst/>
+                <a:latin typeface="Monaco"/>
+              </a:rPr>
+              <a:t>&lt;</a:t>
+            </a:r>
+            <a:r>
+              <a:rPr lang="en-US" sz="1800" b="0" i="0" dirty="0" err="1">
+                <a:solidFill>
+                  <a:srgbClr val="000080"/>
+                </a:solidFill>
+                <a:effectLst/>
+                <a:latin typeface="Monaco"/>
+              </a:rPr>
+              <a:t>groupId</a:t>
+            </a:r>
+            <a:r>
+              <a:rPr lang="en-US" sz="1800" b="0" i="0" dirty="0">
+                <a:solidFill>
+                  <a:srgbClr val="000080"/>
+                </a:solidFill>
+                <a:effectLst/>
+                <a:latin typeface="Monaco"/>
+              </a:rPr>
+              <a:t>&gt;</a:t>
+            </a:r>
+            <a:r>
+              <a:rPr lang="en-US" sz="1800" b="0" i="0" dirty="0" err="1">
+                <a:solidFill>
+                  <a:srgbClr val="222222"/>
+                </a:solidFill>
+                <a:effectLst/>
+                <a:latin typeface="Monaco"/>
+              </a:rPr>
+              <a:t>org.springframework.cloud</a:t>
+            </a:r>
+            <a:r>
+              <a:rPr lang="en-US" sz="1800" b="0" i="0" dirty="0">
+                <a:solidFill>
+                  <a:srgbClr val="000080"/>
+                </a:solidFill>
+                <a:effectLst/>
+                <a:latin typeface="Monaco"/>
+              </a:rPr>
+              <a:t>&lt;/</a:t>
+            </a:r>
+            <a:r>
+              <a:rPr lang="en-US" sz="1800" b="0" i="0" dirty="0" err="1">
+                <a:solidFill>
+                  <a:srgbClr val="000080"/>
+                </a:solidFill>
+                <a:effectLst/>
+                <a:latin typeface="Monaco"/>
+              </a:rPr>
+              <a:t>groupId</a:t>
+            </a:r>
+            <a:r>
+              <a:rPr lang="en-US" sz="1800" b="0" i="0" dirty="0">
+                <a:solidFill>
+                  <a:srgbClr val="000080"/>
+                </a:solidFill>
+                <a:effectLst/>
+                <a:latin typeface="Monaco"/>
+              </a:rPr>
+              <a:t>&gt;</a:t>
+            </a:r>
+            <a:r>
+              <a:rPr lang="en-US" sz="1800" b="0" i="0" dirty="0">
+                <a:solidFill>
+                  <a:srgbClr val="222222"/>
+                </a:solidFill>
+                <a:effectLst/>
+                <a:latin typeface="Monaco"/>
+              </a:rPr>
+              <a:t> </a:t>
+            </a:r>
+          </a:p>
+          <a:p>
+            <a:pPr marL="457200" lvl="1" indent="0">
+              <a:buNone/>
+            </a:pPr>
+            <a:r>
+              <a:rPr lang="en-US" sz="1800" dirty="0">
+                <a:solidFill>
+                  <a:srgbClr val="222222"/>
+                </a:solidFill>
+                <a:latin typeface="Monaco"/>
+              </a:rPr>
+              <a:t>	</a:t>
+            </a:r>
+            <a:r>
+              <a:rPr lang="en-US" sz="1800" b="0" i="0" dirty="0">
+                <a:solidFill>
+                  <a:srgbClr val="000080"/>
+                </a:solidFill>
+                <a:effectLst/>
+                <a:latin typeface="Monaco"/>
+              </a:rPr>
+              <a:t>&lt;</a:t>
+            </a:r>
+            <a:r>
+              <a:rPr lang="en-US" sz="1800" b="0" i="0" dirty="0" err="1">
+                <a:solidFill>
+                  <a:srgbClr val="000080"/>
+                </a:solidFill>
+                <a:effectLst/>
+                <a:latin typeface="Monaco"/>
+              </a:rPr>
+              <a:t>artifactId</a:t>
+            </a:r>
+            <a:r>
+              <a:rPr lang="en-US" sz="1800" b="0" i="0" dirty="0">
+                <a:solidFill>
+                  <a:srgbClr val="000080"/>
+                </a:solidFill>
+                <a:effectLst/>
+                <a:latin typeface="Monaco"/>
+              </a:rPr>
+              <a:t>&gt;</a:t>
+            </a:r>
+            <a:r>
+              <a:rPr lang="en-US" sz="1800" b="0" i="0" dirty="0">
+                <a:solidFill>
+                  <a:srgbClr val="222222"/>
+                </a:solidFill>
+                <a:effectLst/>
+                <a:latin typeface="Monaco"/>
+              </a:rPr>
+              <a:t>spring-cloud-starter-config</a:t>
+            </a:r>
+            <a:r>
+              <a:rPr lang="en-US" sz="1800" b="0" i="0" dirty="0">
+                <a:solidFill>
+                  <a:srgbClr val="000080"/>
+                </a:solidFill>
+                <a:effectLst/>
+                <a:latin typeface="Monaco"/>
+              </a:rPr>
+              <a:t>&lt;/</a:t>
+            </a:r>
+            <a:r>
+              <a:rPr lang="en-US" sz="1800" b="0" i="0" dirty="0" err="1">
+                <a:solidFill>
+                  <a:srgbClr val="000080"/>
+                </a:solidFill>
+                <a:effectLst/>
+                <a:latin typeface="Monaco"/>
+              </a:rPr>
+              <a:t>artifactId</a:t>
+            </a:r>
+            <a:r>
+              <a:rPr lang="en-US" sz="1800" b="0" i="0" dirty="0">
+                <a:solidFill>
+                  <a:srgbClr val="000080"/>
+                </a:solidFill>
+                <a:effectLst/>
+                <a:latin typeface="Monaco"/>
+              </a:rPr>
+              <a:t>&gt;</a:t>
+            </a:r>
+            <a:r>
+              <a:rPr lang="en-US" sz="1800" b="0" i="0" dirty="0">
+                <a:solidFill>
+                  <a:srgbClr val="222222"/>
+                </a:solidFill>
+                <a:effectLst/>
+                <a:latin typeface="Monaco"/>
+              </a:rPr>
+              <a:t> </a:t>
+            </a:r>
+          </a:p>
+          <a:p>
+            <a:pPr marL="457200" lvl="1" indent="0">
+              <a:buNone/>
+            </a:pPr>
+            <a:r>
+              <a:rPr lang="en-US" sz="1800" b="0" i="0" dirty="0">
+                <a:solidFill>
+                  <a:srgbClr val="000080"/>
+                </a:solidFill>
+                <a:effectLst/>
+                <a:latin typeface="Monaco"/>
+              </a:rPr>
+              <a:t>&lt;/dependency&gt;</a:t>
+            </a:r>
+          </a:p>
+          <a:p>
+            <a:pPr marL="914400" lvl="1" indent="-457200">
+              <a:buAutoNum type="arabicPeriod" startAt="2"/>
+            </a:pPr>
+            <a:endParaRPr lang="en-US" dirty="0">
+              <a:solidFill>
+                <a:srgbClr val="00B050"/>
+              </a:solidFill>
+            </a:endParaRPr>
+          </a:p>
+          <a:p>
+            <a:pPr marL="914400" lvl="1" indent="-457200">
+              <a:buAutoNum type="arabicPeriod" startAt="2"/>
+            </a:pPr>
+            <a:r>
+              <a:rPr lang="en-US" dirty="0">
+                <a:solidFill>
+                  <a:srgbClr val="00B050"/>
+                </a:solidFill>
+              </a:rPr>
+              <a:t>Actuator</a:t>
+            </a:r>
+          </a:p>
+          <a:p>
+            <a:pPr marL="457200" lvl="1" indent="0">
+              <a:buNone/>
+            </a:pPr>
+            <a:endParaRPr lang="en-US" b="0" i="0" dirty="0">
+              <a:solidFill>
+                <a:srgbClr val="00B050"/>
+              </a:solidFill>
+              <a:effectLst/>
+            </a:endParaRPr>
+          </a:p>
+          <a:p>
+            <a:pPr marL="457200" lvl="1" indent="0">
+              <a:buNone/>
+            </a:pPr>
+            <a:endParaRPr lang="en-US" dirty="0">
+              <a:solidFill>
+                <a:srgbClr val="000080"/>
+              </a:solidFill>
+              <a:latin typeface="Monaco"/>
+            </a:endParaRPr>
+          </a:p>
+          <a:p>
+            <a:pPr marL="457200" lvl="1" indent="0">
+              <a:buNone/>
+            </a:pPr>
+            <a:endParaRPr lang="en-US" dirty="0"/>
+          </a:p>
+        </p:txBody>
+      </p:sp>
+    </p:spTree>
+    <p:extLst>
+      <p:ext uri="{BB962C8B-B14F-4D97-AF65-F5344CB8AC3E}">
+        <p14:creationId xmlns:p14="http://schemas.microsoft.com/office/powerpoint/2010/main" val="344812578"/>
+      </p:ext>
+    </p:extLst>
+  </p:cSld>
+  <p:clrMapOvr>
+    <a:masterClrMapping/>
+  </p:clrMapOvr>
+</p:sld>
+</file>
+
+<file path=ppt/slides/slide12.xml><?xml version="1.0" encoding="utf-8"?>
+<p:sld xmlns:a="http://schemas.openxmlformats.org/drawingml/2006/main" xmlns:r="http://schemas.openxmlformats.org/officeDocument/2006/relationships" xmlns:p="http://schemas.openxmlformats.org/presentationml/2006/main">
+  <p:cSld>
+    <p:spTree>
+      <p:nvGrpSpPr>
+        <p:cNvPr id="1" name=""/>
+        <p:cNvGrpSpPr/>
+        <p:nvPr/>
+      </p:nvGrpSpPr>
+      <p:grpSpPr>
+        <a:xfrm>
+          <a:off x="0" y="0"/>
+          <a:ext cx="0" cy="0"/>
+          <a:chOff x="0" y="0"/>
+          <a:chExt cx="0" cy="0"/>
+        </a:xfrm>
+      </p:grpSpPr>
+      <p:sp>
+        <p:nvSpPr>
+          <p:cNvPr id="2" name="Title 1">
+            <a:extLst>
+              <a:ext uri="{FF2B5EF4-FFF2-40B4-BE49-F238E27FC236}">
+                <a16:creationId xmlns:a16="http://schemas.microsoft.com/office/drawing/2014/main" id="{11895A51-FB1F-4B75-807B-B3D70D551D28}"/>
+              </a:ext>
+            </a:extLst>
+          </p:cNvPr>
+          <p:cNvSpPr>
+            <a:spLocks noGrp="1"/>
+          </p:cNvSpPr>
+          <p:nvPr>
+            <p:ph type="title"/>
+          </p:nvPr>
+        </p:nvSpPr>
+        <p:spPr>
+          <a:xfrm>
+            <a:off x="838200" y="351873"/>
+            <a:ext cx="10515600" cy="1325563"/>
+          </a:xfrm>
+        </p:spPr>
+        <p:txBody>
+          <a:bodyPr/>
+          <a:lstStyle/>
+          <a:p>
+            <a:r>
+              <a:rPr lang="en-US" dirty="0">
+                <a:solidFill>
+                  <a:srgbClr val="C00000"/>
+                </a:solidFill>
+              </a:rPr>
+              <a:t>Config Client</a:t>
+            </a:r>
+          </a:p>
+        </p:txBody>
+      </p:sp>
+      <p:sp>
+        <p:nvSpPr>
+          <p:cNvPr id="3" name="Content Placeholder 2">
+            <a:extLst>
+              <a:ext uri="{FF2B5EF4-FFF2-40B4-BE49-F238E27FC236}">
+                <a16:creationId xmlns:a16="http://schemas.microsoft.com/office/drawing/2014/main" id="{263295DB-1B77-432F-82CD-415B99E10702}"/>
+              </a:ext>
+            </a:extLst>
+          </p:cNvPr>
+          <p:cNvSpPr>
+            <a:spLocks noGrp="1"/>
+          </p:cNvSpPr>
+          <p:nvPr>
+            <p:ph idx="1"/>
+          </p:nvPr>
+        </p:nvSpPr>
+        <p:spPr/>
+        <p:txBody>
+          <a:bodyPr/>
+          <a:lstStyle/>
+          <a:p>
+            <a:pPr marL="457200" lvl="1" indent="0">
+              <a:buNone/>
+            </a:pPr>
+            <a:r>
+              <a:rPr lang="en-US" dirty="0"/>
+              <a:t>Steps 2 –  Modify </a:t>
+            </a:r>
+            <a:r>
+              <a:rPr lang="en-US" dirty="0" err="1"/>
+              <a:t>application.properties</a:t>
+            </a:r>
+            <a:r>
+              <a:rPr lang="en-US" dirty="0"/>
+              <a:t> /</a:t>
+            </a:r>
+            <a:r>
+              <a:rPr lang="en-US" dirty="0" err="1"/>
+              <a:t>bootstrap.properties</a:t>
+            </a:r>
+            <a:r>
+              <a:rPr lang="en-US" dirty="0"/>
+              <a:t> </a:t>
+            </a:r>
+          </a:p>
+          <a:p>
+            <a:pPr marL="457200" lvl="1" indent="0">
+              <a:buNone/>
+            </a:pPr>
+            <a:endParaRPr lang="en-US" dirty="0"/>
+          </a:p>
+          <a:p>
+            <a:pPr marL="457200" lvl="1" indent="0">
+              <a:buNone/>
+            </a:pPr>
+            <a:r>
+              <a:rPr lang="en-US" dirty="0">
+                <a:solidFill>
+                  <a:srgbClr val="92D050"/>
+                </a:solidFill>
+              </a:rPr>
+              <a:t>#location of config server</a:t>
+            </a:r>
+          </a:p>
+          <a:p>
+            <a:pPr marL="457200" lvl="1" indent="0">
+              <a:buNone/>
+            </a:pPr>
+            <a:r>
+              <a:rPr lang="en-US" dirty="0" err="1">
+                <a:solidFill>
+                  <a:srgbClr val="0070C0"/>
+                </a:solidFill>
+              </a:rPr>
+              <a:t>spring.cloud.config.uri</a:t>
+            </a:r>
+            <a:r>
+              <a:rPr lang="en-US" dirty="0">
+                <a:solidFill>
+                  <a:srgbClr val="0070C0"/>
+                </a:solidFill>
+              </a:rPr>
+              <a:t> = </a:t>
+            </a:r>
+            <a:r>
+              <a:rPr lang="en-US" dirty="0">
+                <a:solidFill>
+                  <a:srgbClr val="0070C0"/>
+                </a:solidFill>
+                <a:hlinkClick r:id="rId2"/>
+              </a:rPr>
+              <a:t>http://localhost:8888</a:t>
+            </a:r>
+            <a:endParaRPr lang="en-US" dirty="0">
+              <a:solidFill>
+                <a:srgbClr val="0070C0"/>
+              </a:solidFill>
+            </a:endParaRPr>
+          </a:p>
+          <a:p>
+            <a:pPr marL="457200" lvl="1" indent="0">
+              <a:buNone/>
+            </a:pPr>
+            <a:endParaRPr lang="en-US" dirty="0">
+              <a:solidFill>
+                <a:srgbClr val="0070C0"/>
+              </a:solidFill>
+            </a:endParaRPr>
+          </a:p>
+          <a:p>
+            <a:pPr marL="457200" lvl="1" indent="0">
+              <a:buNone/>
+            </a:pPr>
+            <a:r>
+              <a:rPr lang="en-US" dirty="0">
+                <a:solidFill>
+                  <a:srgbClr val="92D050"/>
+                </a:solidFill>
+              </a:rPr>
+              <a:t>#application name</a:t>
+            </a:r>
+          </a:p>
+          <a:p>
+            <a:pPr marL="457200" lvl="1" indent="0">
+              <a:buNone/>
+            </a:pPr>
+            <a:r>
+              <a:rPr lang="en-US" dirty="0">
+                <a:solidFill>
+                  <a:srgbClr val="0070C0"/>
+                </a:solidFill>
+              </a:rPr>
+              <a:t>spring.application.name = product-service</a:t>
+            </a:r>
+          </a:p>
+          <a:p>
+            <a:pPr marL="457200" lvl="1" indent="0">
+              <a:buNone/>
+            </a:pPr>
+            <a:endParaRPr lang="en-US" dirty="0"/>
+          </a:p>
+          <a:p>
+            <a:pPr marL="457200" lvl="1" indent="0">
+              <a:buNone/>
+            </a:pPr>
+            <a:r>
+              <a:rPr lang="en-US" dirty="0"/>
+              <a:t>Step3 – Start the config server.</a:t>
+            </a:r>
+          </a:p>
+          <a:p>
+            <a:pPr marL="457200" lvl="1" indent="0">
+              <a:buNone/>
+            </a:pPr>
+            <a:r>
+              <a:rPr lang="en-US" dirty="0"/>
+              <a:t>Step 4- Start the microservice.</a:t>
+            </a:r>
+          </a:p>
+          <a:p>
+            <a:pPr marL="457200" lvl="1" indent="0">
+              <a:buNone/>
+            </a:pPr>
+            <a:endParaRPr lang="en-US" dirty="0">
+              <a:solidFill>
+                <a:srgbClr val="0070C0"/>
+              </a:solidFill>
+            </a:endParaRPr>
+          </a:p>
+          <a:p>
+            <a:pPr marL="457200" lvl="1" indent="0">
+              <a:buNone/>
+            </a:pPr>
+            <a:endParaRPr lang="en-US" dirty="0">
+              <a:solidFill>
+                <a:srgbClr val="0070C0"/>
+              </a:solidFill>
+            </a:endParaRPr>
+          </a:p>
+        </p:txBody>
+      </p:sp>
+      <p:sp>
+        <p:nvSpPr>
+          <p:cNvPr id="4" name="Rectangle 1">
+            <a:extLst>
+              <a:ext uri="{FF2B5EF4-FFF2-40B4-BE49-F238E27FC236}">
+                <a16:creationId xmlns:a16="http://schemas.microsoft.com/office/drawing/2014/main" id="{6E000635-AD1B-415B-A2FF-0C7ADD4CFFED}"/>
+              </a:ext>
+            </a:extLst>
+          </p:cNvPr>
+          <p:cNvSpPr>
+            <a:spLocks noChangeArrowheads="1"/>
+          </p:cNvSpPr>
+          <p:nvPr/>
+        </p:nvSpPr>
+        <p:spPr bwMode="auto">
+          <a:xfrm>
+            <a:off x="0" y="72204"/>
+            <a:ext cx="2040835" cy="276999"/>
+          </a:xfrm>
+          <a:prstGeom prst="rect">
+            <a:avLst/>
+          </a:prstGeom>
+          <a:solidFill>
+            <a:srgbClr val="FFFFFF"/>
+          </a:solidFill>
+          <a:ln>
+            <a:noFill/>
+          </a:ln>
+          <a:effectLst/>
+          <a:extLst>
+            <a:ext uri="{91240B29-F687-4F45-9708-019B960494DF}">
+              <a14:hiddenLine xmlns:a14="http://schemas.microsoft.com/office/drawing/2010/main" w="9525">
+                <a:solidFill>
+                  <a:schemeClr val="tx1"/>
+                </a:solidFill>
+                <a:miter lim="800000"/>
+                <a:headEnd/>
+                <a:tailEnd/>
+              </a14:hiddenLine>
+            </a:ext>
+            <a:ext uri="{AF507438-7753-43E0-B8FC-AC1667EBCBE1}">
+              <a14:hiddenEffects xmlns:a14="http://schemas.microsoft.com/office/drawing/2010/main">
+                <a:effectLst>
+                  <a:outerShdw dist="35921" dir="2700000" algn="ctr" rotWithShape="0">
+                    <a:schemeClr val="bg2"/>
+                  </a:outerShdw>
+                </a:effectLst>
+              </a14:hiddenEffects>
+            </a:ext>
+          </a:extLst>
+        </p:spPr>
+        <p:txBody>
+          <a:bodyPr vert="horz" wrap="square" lIns="0" tIns="0" rIns="0" bIns="0" numCol="1" anchor="ctr" anchorCtr="0" compatLnSpc="1">
+            <a:prstTxWarp prst="textNoShape">
+              <a:avLst/>
+            </a:prstTxWarp>
+            <a:spAutoFit/>
+          </a:bodyPr>
+          <a:lstStyle/>
+          <a:p>
+            <a:pPr marL="0" marR="0" lvl="0" indent="0" algn="l" defTabSz="914400" rtl="0" eaLnBrk="0" fontAlgn="base" latinLnBrk="0" hangingPunct="0">
+              <a:lnSpc>
+                <a:spcPct val="100000"/>
+              </a:lnSpc>
+              <a:spcBef>
+                <a:spcPct val="0"/>
+              </a:spcBef>
+              <a:spcAft>
+                <a:spcPct val="0"/>
+              </a:spcAft>
+              <a:buClrTx/>
+              <a:buSzTx/>
+              <a:buFontTx/>
+              <a:buNone/>
+              <a:tabLst/>
+            </a:pPr>
+            <a:endParaRPr kumimoji="0" lang="en-US" altLang="en-US" sz="1800" b="0" i="0" u="none" strike="noStrike" cap="none" normalizeH="0" baseline="0" dirty="0">
+              <a:ln>
+                <a:noFill/>
+              </a:ln>
+              <a:solidFill>
+                <a:schemeClr val="tx1"/>
+              </a:solidFill>
+              <a:effectLst/>
+              <a:latin typeface="Arial" panose="020B0604020202020204" pitchFamily="34" charset="0"/>
+            </a:endParaRPr>
+          </a:p>
+        </p:txBody>
+      </p:sp>
+    </p:spTree>
+    <p:extLst>
+      <p:ext uri="{BB962C8B-B14F-4D97-AF65-F5344CB8AC3E}">
+        <p14:creationId xmlns:p14="http://schemas.microsoft.com/office/powerpoint/2010/main" val="1539614473"/>
+      </p:ext>
+    </p:extLst>
+  </p:cSld>
+  <p:clrMapOvr>
+    <a:masterClrMapping/>
+  </p:clrMapOvr>
+</p:sld>
+</file>
+
+<file path=ppt/slides/slide13.xml><?xml version="1.0" encoding="utf-8"?>
+<p:sld xmlns:a="http://schemas.openxmlformats.org/drawingml/2006/main" xmlns:r="http://schemas.openxmlformats.org/officeDocument/2006/relationships" xmlns:p="http://schemas.openxmlformats.org/presentationml/2006/main">
+  <p:cSld>
+    <p:spTree>
+      <p:nvGrpSpPr>
+        <p:cNvPr id="1" name=""/>
+        <p:cNvGrpSpPr/>
+        <p:nvPr/>
+      </p:nvGrpSpPr>
+      <p:grpSpPr>
+        <a:xfrm>
+          <a:off x="0" y="0"/>
+          <a:ext cx="0" cy="0"/>
+          <a:chOff x="0" y="0"/>
+          <a:chExt cx="0" cy="0"/>
+        </a:xfrm>
+      </p:grpSpPr>
+      <p:sp>
+        <p:nvSpPr>
+          <p:cNvPr id="2" name="Title 1">
+            <a:extLst>
+              <a:ext uri="{FF2B5EF4-FFF2-40B4-BE49-F238E27FC236}">
+                <a16:creationId xmlns:a16="http://schemas.microsoft.com/office/drawing/2014/main" id="{FA3892EC-1457-4F35-8D25-E182988983FE}"/>
+              </a:ext>
+            </a:extLst>
+          </p:cNvPr>
+          <p:cNvSpPr>
+            <a:spLocks noGrp="1"/>
+          </p:cNvSpPr>
+          <p:nvPr>
+            <p:ph type="title"/>
+          </p:nvPr>
+        </p:nvSpPr>
+        <p:spPr/>
+        <p:txBody>
+          <a:bodyPr/>
+          <a:lstStyle/>
+          <a:p>
+            <a:r>
+              <a:rPr lang="en-US" dirty="0"/>
+              <a:t>Actuator</a:t>
+            </a:r>
+          </a:p>
+        </p:txBody>
+      </p:sp>
+      <p:sp>
+        <p:nvSpPr>
+          <p:cNvPr id="3" name="Content Placeholder 2">
+            <a:extLst>
+              <a:ext uri="{FF2B5EF4-FFF2-40B4-BE49-F238E27FC236}">
+                <a16:creationId xmlns:a16="http://schemas.microsoft.com/office/drawing/2014/main" id="{52DD6033-BF8C-4F8E-B3E7-457E575C5704}"/>
+              </a:ext>
+            </a:extLst>
+          </p:cNvPr>
+          <p:cNvSpPr>
+            <a:spLocks noGrp="1"/>
+          </p:cNvSpPr>
+          <p:nvPr>
+            <p:ph idx="1"/>
+          </p:nvPr>
+        </p:nvSpPr>
+        <p:spPr/>
+        <p:txBody>
+          <a:bodyPr>
+            <a:normAutofit lnSpcReduction="10000"/>
+          </a:bodyPr>
+          <a:lstStyle/>
+          <a:p>
+            <a:r>
+              <a:rPr lang="en-US" dirty="0"/>
+              <a:t>The /gateway actuator endpoint allows to monitor and interact with a Spring Cloud gateway application. To be remotely accessible, the endpoint has to be enabled and exposed via HTTP or JMX in the </a:t>
+            </a:r>
+            <a:r>
+              <a:rPr lang="en-US" dirty="0" err="1"/>
+              <a:t>application.properties</a:t>
+            </a:r>
+            <a:endParaRPr lang="en-US" dirty="0"/>
+          </a:p>
+          <a:p>
+            <a:endParaRPr lang="en-US" dirty="0"/>
+          </a:p>
+          <a:p>
+            <a:pPr marL="0" indent="0">
+              <a:buNone/>
+            </a:pPr>
+            <a:r>
+              <a:rPr lang="en-US" dirty="0" err="1">
+                <a:solidFill>
+                  <a:srgbClr val="FF0000"/>
+                </a:solidFill>
+              </a:rPr>
+              <a:t>application.properties</a:t>
+            </a:r>
+            <a:r>
+              <a:rPr lang="en-US" dirty="0">
+                <a:solidFill>
+                  <a:srgbClr val="FF0000"/>
+                </a:solidFill>
+              </a:rPr>
+              <a:t> </a:t>
+            </a:r>
+            <a:endParaRPr lang="en-US" sz="2400" dirty="0">
+              <a:solidFill>
+                <a:srgbClr val="0070C0"/>
+              </a:solidFill>
+            </a:endParaRPr>
+          </a:p>
+          <a:p>
+            <a:pPr marL="0" indent="0">
+              <a:buNone/>
+            </a:pPr>
+            <a:r>
+              <a:rPr lang="en-US" sz="2400" dirty="0">
+                <a:solidFill>
+                  <a:srgbClr val="0070C0"/>
+                </a:solidFill>
+              </a:rPr>
+              <a:t> 	</a:t>
+            </a:r>
+            <a:r>
+              <a:rPr lang="en-US" sz="2400" dirty="0" err="1">
+                <a:solidFill>
+                  <a:srgbClr val="0070C0"/>
+                </a:solidFill>
+              </a:rPr>
+              <a:t>management.endpoints.web.exposure.include</a:t>
+            </a:r>
+            <a:r>
+              <a:rPr lang="en-US" sz="2400" dirty="0">
+                <a:solidFill>
+                  <a:srgbClr val="0070C0"/>
+                </a:solidFill>
+              </a:rPr>
+              <a:t> </a:t>
+            </a:r>
+            <a:r>
+              <a:rPr lang="en-US" sz="2400">
+                <a:solidFill>
+                  <a:srgbClr val="0070C0"/>
+                </a:solidFill>
+              </a:rPr>
+              <a:t>= *</a:t>
+            </a:r>
+          </a:p>
+          <a:p>
+            <a:pPr marL="0" indent="0">
+              <a:buNone/>
+            </a:pPr>
+            <a:endParaRPr lang="en-US" sz="2400" dirty="0">
+              <a:solidFill>
+                <a:srgbClr val="0070C0"/>
+              </a:solidFill>
+            </a:endParaRPr>
+          </a:p>
+          <a:p>
+            <a:r>
+              <a:rPr lang="en-US" dirty="0">
+                <a:solidFill>
+                  <a:srgbClr val="00B050"/>
+                </a:solidFill>
+              </a:rPr>
+              <a:t>/actuator/refresh </a:t>
+            </a:r>
+            <a:r>
+              <a:rPr lang="en-US" dirty="0"/>
+              <a:t>– To clear the routes cache, make a POST request from any rest client. </a:t>
+            </a:r>
+          </a:p>
+        </p:txBody>
+      </p:sp>
+    </p:spTree>
+    <p:extLst>
+      <p:ext uri="{BB962C8B-B14F-4D97-AF65-F5344CB8AC3E}">
+        <p14:creationId xmlns:p14="http://schemas.microsoft.com/office/powerpoint/2010/main" val="1898481625"/>
       </p:ext>
     </p:extLst>
   </p:cSld>
@@ -4500,7 +5610,7 @@
             </a:r>
             <a:r>
               <a:rPr lang="en-US" dirty="0"/>
-              <a:t> file.</a:t>
+              <a:t> file of your service. </a:t>
             </a:r>
           </a:p>
           <a:p>
@@ -4529,8 +5639,8 @@
         </p:blipFill>
         <p:spPr>
           <a:xfrm>
-            <a:off x="1814702" y="2377441"/>
-            <a:ext cx="8243698" cy="4239198"/>
+            <a:off x="1814702" y="2883279"/>
+            <a:ext cx="7260025" cy="3733359"/>
           </a:xfrm>
           <a:prstGeom prst="rect">
             <a:avLst/>
@@ -4634,6 +5744,10 @@
               <a:rPr lang="en-US" dirty="0"/>
               <a:t>Step 2: Create a Spring Starter Project and add following dependencies- </a:t>
             </a:r>
+          </a:p>
+          <a:p>
+            <a:pPr lvl="1"/>
+            <a:endParaRPr lang="en-US" dirty="0"/>
           </a:p>
           <a:p>
             <a:pPr lvl="1"/>

--- a/Spring Cloud Config.pptx
+++ b/Spring Cloud Config.pptx
@@ -271,7 +271,7 @@
           <a:p>
             <a:fld id="{246D75D8-7561-483D-A2AD-117740B240A2}" type="datetimeFigureOut">
               <a:rPr lang="en-US" smtClean="0"/>
-              <a:t>10/25/2021</a:t>
+              <a:t>10/26/2021</a:t>
             </a:fld>
             <a:endParaRPr lang="en-US"/>
           </a:p>
@@ -469,7 +469,7 @@
           <a:p>
             <a:fld id="{246D75D8-7561-483D-A2AD-117740B240A2}" type="datetimeFigureOut">
               <a:rPr lang="en-US" smtClean="0"/>
-              <a:t>10/25/2021</a:t>
+              <a:t>10/26/2021</a:t>
             </a:fld>
             <a:endParaRPr lang="en-US"/>
           </a:p>
@@ -677,7 +677,7 @@
           <a:p>
             <a:fld id="{246D75D8-7561-483D-A2AD-117740B240A2}" type="datetimeFigureOut">
               <a:rPr lang="en-US" smtClean="0"/>
-              <a:t>10/25/2021</a:t>
+              <a:t>10/26/2021</a:t>
             </a:fld>
             <a:endParaRPr lang="en-US"/>
           </a:p>
@@ -875,7 +875,7 @@
           <a:p>
             <a:fld id="{246D75D8-7561-483D-A2AD-117740B240A2}" type="datetimeFigureOut">
               <a:rPr lang="en-US" smtClean="0"/>
-              <a:t>10/25/2021</a:t>
+              <a:t>10/26/2021</a:t>
             </a:fld>
             <a:endParaRPr lang="en-US"/>
           </a:p>
@@ -1150,7 +1150,7 @@
           <a:p>
             <a:fld id="{246D75D8-7561-483D-A2AD-117740B240A2}" type="datetimeFigureOut">
               <a:rPr lang="en-US" smtClean="0"/>
-              <a:t>10/25/2021</a:t>
+              <a:t>10/26/2021</a:t>
             </a:fld>
             <a:endParaRPr lang="en-US"/>
           </a:p>
@@ -1415,7 +1415,7 @@
           <a:p>
             <a:fld id="{246D75D8-7561-483D-A2AD-117740B240A2}" type="datetimeFigureOut">
               <a:rPr lang="en-US" smtClean="0"/>
-              <a:t>10/25/2021</a:t>
+              <a:t>10/26/2021</a:t>
             </a:fld>
             <a:endParaRPr lang="en-US"/>
           </a:p>
@@ -1827,7 +1827,7 @@
           <a:p>
             <a:fld id="{246D75D8-7561-483D-A2AD-117740B240A2}" type="datetimeFigureOut">
               <a:rPr lang="en-US" smtClean="0"/>
-              <a:t>10/25/2021</a:t>
+              <a:t>10/26/2021</a:t>
             </a:fld>
             <a:endParaRPr lang="en-US"/>
           </a:p>
@@ -1968,7 +1968,7 @@
           <a:p>
             <a:fld id="{246D75D8-7561-483D-A2AD-117740B240A2}" type="datetimeFigureOut">
               <a:rPr lang="en-US" smtClean="0"/>
-              <a:t>10/25/2021</a:t>
+              <a:t>10/26/2021</a:t>
             </a:fld>
             <a:endParaRPr lang="en-US"/>
           </a:p>
@@ -2081,7 +2081,7 @@
           <a:p>
             <a:fld id="{246D75D8-7561-483D-A2AD-117740B240A2}" type="datetimeFigureOut">
               <a:rPr lang="en-US" smtClean="0"/>
-              <a:t>10/25/2021</a:t>
+              <a:t>10/26/2021</a:t>
             </a:fld>
             <a:endParaRPr lang="en-US"/>
           </a:p>
@@ -2392,7 +2392,7 @@
           <a:p>
             <a:fld id="{246D75D8-7561-483D-A2AD-117740B240A2}" type="datetimeFigureOut">
               <a:rPr lang="en-US" smtClean="0"/>
-              <a:t>10/25/2021</a:t>
+              <a:t>10/26/2021</a:t>
             </a:fld>
             <a:endParaRPr lang="en-US"/>
           </a:p>
@@ -2680,7 +2680,7 @@
           <a:p>
             <a:fld id="{246D75D8-7561-483D-A2AD-117740B240A2}" type="datetimeFigureOut">
               <a:rPr lang="en-US" smtClean="0"/>
-              <a:t>10/25/2021</a:t>
+              <a:t>10/26/2021</a:t>
             </a:fld>
             <a:endParaRPr lang="en-US"/>
           </a:p>
@@ -2921,7 +2921,7 @@
           <a:p>
             <a:fld id="{246D75D8-7561-483D-A2AD-117740B240A2}" type="datetimeFigureOut">
               <a:rPr lang="en-US" smtClean="0"/>
-              <a:t>10/25/2021</a:t>
+              <a:t>10/26/2021</a:t>
             </a:fld>
             <a:endParaRPr lang="en-US"/>
           </a:p>
@@ -3531,13 +3531,16 @@
                 </a:solidFill>
                 <a:hlinkClick r:id="rId2"/>
               </a:rPr>
-              <a:t>https://localhost:8888/application/default/master</a:t>
-            </a:r>
-            <a:endParaRPr lang="en-US" dirty="0">
-              <a:solidFill>
-                <a:srgbClr val="0070C0"/>
-              </a:solidFill>
-            </a:endParaRPr>
+              <a:t>https://localhost:8888/application/default/ma</a:t>
+            </a:r>
+            <a:r>
+              <a:rPr lang="en-US" dirty="0">
+                <a:solidFill>
+                  <a:srgbClr val="0070C0"/>
+                </a:solidFill>
+              </a:rPr>
+              <a:t>in</a:t>
+            </a:r>
           </a:p>
           <a:p>
             <a:endParaRPr lang="en-US" dirty="0">
@@ -3664,7 +3667,7 @@
               <a:rPr lang="en-US" sz="2400" dirty="0">
                 <a:latin typeface="open sans" panose="020B0606030504020204" pitchFamily="34" charset="0"/>
               </a:rPr>
-              <a:t>{label} – optional git label (default is master)</a:t>
+              <a:t>{label} – optional git label (default is main)</a:t>
             </a:r>
           </a:p>
           <a:p>
@@ -6247,7 +6250,7 @@
                   <a:srgbClr val="0070C0"/>
                 </a:solidFill>
               </a:rPr>
-              <a:t> https://localhost:8888/application/default/master 	</a:t>
+              <a:t> https://localhost:8888/application/default/main 	</a:t>
             </a:r>
           </a:p>
           <a:p>
